--- a/slides/didp-part04b.pptx
+++ b/slides/didp-part04b.pptx
@@ -2114,7 +2114,7 @@
                 <a:latin typeface="Gill Sans"/>
                 <a:cs typeface="Gill Sans"/>
               </a:rPr>
-              <a:t>CS 451/651 (Fall 2018)</a:t>
+              <a:t>CS 431/631 451/651 (Winter 2019)</a:t>
             </a:r>
           </a:p>
         </p:txBody>
@@ -2156,7 +2156,7 @@
                 <a:latin typeface="Gill Sans"/>
                 <a:cs typeface="Gill Sans"/>
               </a:rPr>
-              <a:t>Jimmy Lin</a:t>
+              <a:t>Adam Roegiest</a:t>
             </a:r>
           </a:p>
           <a:p>
@@ -2169,20 +2169,7 @@
                 <a:latin typeface="Gill Sans"/>
                 <a:cs typeface="Gill Sans"/>
               </a:rPr>
-              <a:t>David R. Cheriton School of Computer Science</a:t>
-            </a:r>
-          </a:p>
-          <a:p>
-            <a:pPr algn="ctr" eaLnBrk="1" hangingPunct="1"/>
-            <a:r>
-              <a:rPr lang="en-US" sz="2000" b="0" dirty="0">
-                <a:solidFill>
-                  <a:schemeClr val="bg2"/>
-                </a:solidFill>
-                <a:latin typeface="Gill Sans"/>
-                <a:cs typeface="Gill Sans"/>
-              </a:rPr>
-              <a:t>University of Waterloo</a:t>
+              <a:t>Kira Systems</a:t>
             </a:r>
           </a:p>
         </p:txBody>
@@ -2224,7 +2211,7 @@
                 <a:latin typeface="Gill Sans"/>
                 <a:cs typeface="Gill Sans"/>
               </a:rPr>
-              <a:t>October 11, 2018</a:t>
+              <a:t>February 7, 2019</a:t>
             </a:r>
           </a:p>
         </p:txBody>
@@ -2240,7 +2227,7 @@
         <p:spPr bwMode="auto">
           <a:xfrm>
             <a:off x="1371600" y="5943600"/>
-            <a:ext cx="6327373" cy="369332"/>
+            <a:ext cx="6312562" cy="369332"/>
           </a:xfrm>
           <a:prstGeom prst="rect">
             <a:avLst/>
@@ -2267,27 +2254,7 @@
                 <a:latin typeface="Gill Sans"/>
                 <a:cs typeface="Gill Sans"/>
               </a:rPr>
-              <a:t>These slides are available at http://</a:t>
-            </a:r>
-            <a:r>
-              <a:rPr lang="en-US" sz="1800" b="0" dirty="0" err="1">
-                <a:solidFill>
-                  <a:schemeClr val="bg1"/>
-                </a:solidFill>
-                <a:latin typeface="Gill Sans"/>
-                <a:cs typeface="Gill Sans"/>
-              </a:rPr>
-              <a:t>lintool.github.io</a:t>
-            </a:r>
-            <a:r>
-              <a:rPr lang="en-US" sz="1800" b="0" dirty="0">
-                <a:solidFill>
-                  <a:schemeClr val="bg1"/>
-                </a:solidFill>
-                <a:latin typeface="Gill Sans"/>
-                <a:cs typeface="Gill Sans"/>
-              </a:rPr>
-              <a:t>/bigdata-2018f/</a:t>
+              <a:t>These slides are available at http://roegiest.com/bigdata-2019w/</a:t>
             </a:r>
           </a:p>
         </p:txBody>
@@ -2301,7 +2268,7 @@
           <p:nvPr/>
         </p:nvPicPr>
         <p:blipFill>
-          <a:blip r:embed="rId3">
+          <a:blip r:embed="rId3" cstate="print">
             <a:extLst>
               <a:ext uri="{28A0092B-C50C-407E-A947-70E740481C1C}">
                 <a14:useLocalDpi xmlns:a14="http://schemas.microsoft.com/office/drawing/2010/main" val="0"/>
